--- a/College lectures/6_data_testing_lec_v1.pptx
+++ b/College lectures/6_data_testing_lec_v1.pptx
@@ -3226,7 +3226,7 @@
           <a:p>
             <a:fld id="{E4BDADE7-6AD1-2142-83B2-D20EC39A6B2D}" type="datetimeFigureOut">
               <a:rPr lang="ru-RU" smtClean="0"/>
-              <a:t>25.02.2022</a:t>
+              <a:t>12.03.2022</a:t>
             </a:fld>
             <a:endParaRPr lang="ru-RU"/>
           </a:p>
@@ -6228,7 +6228,7 @@
           <a:p>
             <a:fld id="{85305B69-AB7B-B045-8F83-2E1723C122F3}" type="datetimeFigureOut">
               <a:rPr lang="ru-RU" smtClean="0"/>
-              <a:t>25.02.2022</a:t>
+              <a:t>12.03.2022</a:t>
             </a:fld>
             <a:endParaRPr lang="ru-RU"/>
           </a:p>
@@ -6401,7 +6401,7 @@
           <a:p>
             <a:fld id="{85305B69-AB7B-B045-8F83-2E1723C122F3}" type="datetimeFigureOut">
               <a:rPr lang="ru-RU" smtClean="0"/>
-              <a:t>25.02.2022</a:t>
+              <a:t>12.03.2022</a:t>
             </a:fld>
             <a:endParaRPr lang="ru-RU"/>
           </a:p>
@@ -6584,7 +6584,7 @@
           <a:p>
             <a:fld id="{85305B69-AB7B-B045-8F83-2E1723C122F3}" type="datetimeFigureOut">
               <a:rPr lang="ru-RU" smtClean="0"/>
-              <a:t>25.02.2022</a:t>
+              <a:t>12.03.2022</a:t>
             </a:fld>
             <a:endParaRPr lang="ru-RU"/>
           </a:p>
@@ -6757,7 +6757,7 @@
           <a:p>
             <a:fld id="{85305B69-AB7B-B045-8F83-2E1723C122F3}" type="datetimeFigureOut">
               <a:rPr lang="ru-RU" smtClean="0"/>
-              <a:t>25.02.2022</a:t>
+              <a:t>12.03.2022</a:t>
             </a:fld>
             <a:endParaRPr lang="ru-RU"/>
           </a:p>
@@ -7035,7 +7035,7 @@
           <a:p>
             <a:fld id="{85305B69-AB7B-B045-8F83-2E1723C122F3}" type="datetimeFigureOut">
               <a:rPr lang="ru-RU" smtClean="0"/>
-              <a:t>25.02.2022</a:t>
+              <a:t>12.03.2022</a:t>
             </a:fld>
             <a:endParaRPr lang="ru-RU"/>
           </a:p>
@@ -7250,7 +7250,7 @@
           <a:p>
             <a:fld id="{85305B69-AB7B-B045-8F83-2E1723C122F3}" type="datetimeFigureOut">
               <a:rPr lang="ru-RU" smtClean="0"/>
-              <a:t>25.02.2022</a:t>
+              <a:t>12.03.2022</a:t>
             </a:fld>
             <a:endParaRPr lang="ru-RU"/>
           </a:p>
@@ -7618,7 +7618,7 @@
           <a:p>
             <a:fld id="{85305B69-AB7B-B045-8F83-2E1723C122F3}" type="datetimeFigureOut">
               <a:rPr lang="ru-RU" smtClean="0"/>
-              <a:t>25.02.2022</a:t>
+              <a:t>12.03.2022</a:t>
             </a:fld>
             <a:endParaRPr lang="ru-RU"/>
           </a:p>
@@ -7759,7 +7759,7 @@
           <a:p>
             <a:fld id="{85305B69-AB7B-B045-8F83-2E1723C122F3}" type="datetimeFigureOut">
               <a:rPr lang="ru-RU" smtClean="0"/>
-              <a:t>25.02.2022</a:t>
+              <a:t>12.03.2022</a:t>
             </a:fld>
             <a:endParaRPr lang="ru-RU"/>
           </a:p>
@@ -7872,7 +7872,7 @@
           <a:p>
             <a:fld id="{85305B69-AB7B-B045-8F83-2E1723C122F3}" type="datetimeFigureOut">
               <a:rPr lang="ru-RU" smtClean="0"/>
-              <a:t>25.02.2022</a:t>
+              <a:t>12.03.2022</a:t>
             </a:fld>
             <a:endParaRPr lang="ru-RU"/>
           </a:p>
@@ -8161,7 +8161,7 @@
           <a:p>
             <a:fld id="{85305B69-AB7B-B045-8F83-2E1723C122F3}" type="datetimeFigureOut">
               <a:rPr lang="ru-RU" smtClean="0"/>
-              <a:t>25.02.2022</a:t>
+              <a:t>12.03.2022</a:t>
             </a:fld>
             <a:endParaRPr lang="ru-RU"/>
           </a:p>
@@ -8452,7 +8452,7 @@
           <a:p>
             <a:fld id="{85305B69-AB7B-B045-8F83-2E1723C122F3}" type="datetimeFigureOut">
               <a:rPr lang="ru-RU" smtClean="0"/>
-              <a:t>25.02.2022</a:t>
+              <a:t>12.03.2022</a:t>
             </a:fld>
             <a:endParaRPr lang="ru-RU"/>
           </a:p>
@@ -8668,7 +8668,7 @@
           <a:p>
             <a:fld id="{85305B69-AB7B-B045-8F83-2E1723C122F3}" type="datetimeFigureOut">
               <a:rPr lang="ru-RU" smtClean="0"/>
-              <a:t>25.02.2022</a:t>
+              <a:t>12.03.2022</a:t>
             </a:fld>
             <a:endParaRPr lang="ru-RU"/>
           </a:p>
@@ -10762,15 +10762,7 @@
             </a:r>
             <a:r>
               <a:rPr lang="ru-RU" sz="2400" dirty="0"/>
-              <a:t>техника тестирования, в которой вместо проверки всех возможных комбинаций значений всех параметров проверяются только комбинации значений каждой </a:t>
-            </a:r>
-            <a:r>
-              <a:rPr lang="ru-RU" sz="2400"/>
-              <a:t>пары параметров</a:t>
-            </a:r>
-            <a:r>
-              <a:rPr lang="ru-RU" sz="2400" dirty="0"/>
-              <a:t>. </a:t>
+              <a:t>техника тестирования, в которой вместо проверки всех возможных комбинаций значений всех параметров проверяются только комбинации значений каждой пары параметров. </a:t>
             </a:r>
             <a:endParaRPr lang="ru-RU" sz="2400" dirty="0">
               <a:effectLst/>
